--- a/spring13/slides13/micro-feb15afternoon.pptx
+++ b/spring13/slides13/micro-feb15afternoon.pptx
@@ -1049,8 +1049,8 @@
         </p:nvSpPr>
         <p:spPr bwMode="auto">
           <a:xfrm>
-            <a:off x="7847505" y="6553200"/>
-            <a:ext cx="1296499" cy="276999"/>
+            <a:off x="7136824" y="6553200"/>
+            <a:ext cx="2007180" cy="276999"/>
           </a:xfrm>
           <a:prstGeom prst="rect">
             <a:avLst/>
@@ -1084,7 +1084,7 @@
             </a:pPr>
             <a:r>
               <a:rPr lang="en-US" dirty="0" smtClean="0"/>
-              <a:t>microfeb15.</a:t>
+              <a:t>microfeb15afternoon.</a:t>
             </a:r>
             <a:fld id="{EBFB97A3-F52F-4FD6-B1AC-522A20C95467}" type="slidenum">
               <a:rPr lang="en-US" smtClean="0"/>
@@ -1137,8 +1137,8 @@
         </p:nvSpPr>
         <p:spPr bwMode="auto">
           <a:xfrm>
-            <a:off x="7847505" y="6553200"/>
-            <a:ext cx="1296499" cy="276999"/>
+            <a:off x="7136824" y="6553200"/>
+            <a:ext cx="2007180" cy="276999"/>
           </a:xfrm>
           <a:prstGeom prst="rect">
             <a:avLst/>
@@ -1172,7 +1172,7 @@
             </a:pPr>
             <a:r>
               <a:rPr lang="en-US" dirty="0" smtClean="0"/>
-              <a:t>microfeb15.</a:t>
+              <a:t>microfeb15afternoon.</a:t>
             </a:r>
             <a:fld id="{EBFB97A3-F52F-4FD6-B1AC-522A20C95467}" type="slidenum">
               <a:rPr lang="en-US" smtClean="0"/>
@@ -1552,8 +1552,8 @@
         </p:nvSpPr>
         <p:spPr bwMode="auto">
           <a:xfrm>
-            <a:off x="7847505" y="6553200"/>
-            <a:ext cx="1296499" cy="276999"/>
+            <a:off x="7136824" y="6553200"/>
+            <a:ext cx="2007180" cy="276999"/>
           </a:xfrm>
           <a:prstGeom prst="rect">
             <a:avLst/>
@@ -1587,7 +1587,7 @@
             </a:pPr>
             <a:r>
               <a:rPr lang="en-US" dirty="0" smtClean="0"/>
-              <a:t>microfeb15.</a:t>
+              <a:t>microfeb15afternoon.</a:t>
             </a:r>
             <a:fld id="{EBFB97A3-F52F-4FD6-B1AC-522A20C95467}" type="slidenum">
               <a:rPr lang="en-US" smtClean="0"/>
@@ -1726,8 +1726,8 @@
         </p:nvSpPr>
         <p:spPr bwMode="auto">
           <a:xfrm>
-            <a:off x="7847505" y="6553200"/>
-            <a:ext cx="1296499" cy="276999"/>
+            <a:off x="7136824" y="6553200"/>
+            <a:ext cx="2007180" cy="276999"/>
           </a:xfrm>
           <a:prstGeom prst="rect">
             <a:avLst/>
@@ -1761,7 +1761,7 @@
             </a:pPr>
             <a:r>
               <a:rPr lang="en-US" dirty="0" smtClean="0"/>
-              <a:t>microfeb15.</a:t>
+              <a:t>microfeb15afternoon.</a:t>
             </a:r>
             <a:fld id="{EBFB97A3-F52F-4FD6-B1AC-522A20C95467}" type="slidenum">
               <a:rPr lang="en-US" smtClean="0"/>
@@ -2302,7 +2302,7 @@
 </file>
 
 <file path=ppt/slides/slide1.xml><?xml version="1.0" encoding="utf-8"?>
-<p:sld xmlns:a="http://schemas.openxmlformats.org/drawingml/2006/main" xmlns:r="http://schemas.openxmlformats.org/officeDocument/2006/relationships" xmlns:p="http://schemas.openxmlformats.org/presentationml/2006/main">
+<p:sld xmlns:a="http://schemas.openxmlformats.org/drawingml/2006/main" xmlns:r="http://schemas.openxmlformats.org/officeDocument/2006/relationships" xmlns:p="http://schemas.openxmlformats.org/presentationml/2006/main" show="0">
   <p:cSld>
     <p:spTree>
       <p:nvGrpSpPr>
@@ -2359,7 +2359,12 @@
             <p:ph type="sldNum" sz="quarter" idx="10"/>
           </p:nvPr>
         </p:nvSpPr>
-        <p:spPr/>
+        <p:spPr>
+          <a:xfrm>
+            <a:off x="7314607" y="6553200"/>
+            <a:ext cx="1829397" cy="276999"/>
+          </a:xfrm>
+        </p:spPr>
         <p:txBody>
           <a:bodyPr/>
           <a:lstStyle/>
@@ -2368,8 +2373,8 @@
               <a:defRPr/>
             </a:pPr>
             <a:r>
-              <a:rPr lang="en-US" smtClean="0"/>
-              <a:t>microfeb15.</a:t>
+              <a:rPr lang="en-US" dirty="0" smtClean="0"/>
+              <a:t>microfeb15afternoon.</a:t>
             </a:r>
             <a:fld id="{EBFB97A3-F52F-4FD6-B1AC-522A20C95467}" type="slidenum">
               <a:rPr lang="en-US" smtClean="0"/>
@@ -2514,7 +2519,12 @@
             <p:ph type="sldNum" sz="quarter" idx="10"/>
           </p:nvPr>
         </p:nvSpPr>
-        <p:spPr/>
+        <p:spPr>
+          <a:xfrm>
+            <a:off x="7289961" y="6553200"/>
+            <a:ext cx="1854043" cy="276999"/>
+          </a:xfrm>
+        </p:spPr>
         <p:txBody>
           <a:bodyPr/>
           <a:lstStyle/>
@@ -2523,8 +2533,8 @@
               <a:defRPr/>
             </a:pPr>
             <a:r>
-              <a:rPr lang="en-US" smtClean="0"/>
-              <a:t>microfeb15.</a:t>
+              <a:rPr lang="en-US" dirty="0" smtClean="0"/>
+              <a:t>microfeb15afternoon.</a:t>
             </a:r>
             <a:fld id="{EBFB97A3-F52F-4FD6-B1AC-522A20C95467}" type="slidenum">
               <a:rPr lang="en-US" smtClean="0"/>
@@ -2550,13 +2560,14 @@
         <p:spPr>
           <a:xfrm>
             <a:off x="2411288" y="301893"/>
-            <a:ext cx="4667607" cy="1002925"/>
+            <a:ext cx="4713412" cy="1018907"/>
           </a:xfrm>
         </p:spPr>
         <p:txBody>
           <a:bodyPr/>
           <a:lstStyle/>
           <a:p>
+            <a:pPr algn="ctr"/>
             <a:r>
               <a:rPr lang="en-US" sz="3600" dirty="0" err="1" smtClean="0">
                 <a:solidFill>
@@ -2571,7 +2582,15 @@
                   <a:schemeClr val="tx1"/>
                 </a:solidFill>
               </a:rPr>
-              <a:t> Feb 15</a:t>
+              <a:t> Feb </a:t>
+            </a:r>
+            <a:r>
+              <a:rPr lang="en-US" sz="3600" dirty="0" smtClean="0">
+                <a:solidFill>
+                  <a:schemeClr val="tx1"/>
+                </a:solidFill>
+              </a:rPr>
+              <a:t>15 (afternoon)</a:t>
             </a:r>
             <a:endParaRPr lang="en-US" sz="3600" dirty="0">
               <a:solidFill>
@@ -2805,29 +2824,7 @@
                 </a:solidFill>
                 <a:latin typeface="Comic Sans MS" pitchFamily="66" charset="0"/>
               </a:rPr>
-              <a:t> </a:t>
-            </a:r>
-            <a:r>
-              <a:rPr lang="en-US" sz="3600" dirty="0" smtClean="0">
-                <a:solidFill>
-                  <a:schemeClr val="accent1">
-                    <a:lumMod val="50000"/>
-                  </a:schemeClr>
-                </a:solidFill>
-                <a:latin typeface="Comic Sans MS" pitchFamily="66" charset="0"/>
-              </a:rPr>
-              <a:t>OR </a:t>
-            </a:r>
-            <a:r>
-              <a:rPr lang="en-US" sz="3600" dirty="0" smtClean="0">
-                <a:solidFill>
-                  <a:schemeClr val="accent1">
-                    <a:lumMod val="50000"/>
-                  </a:schemeClr>
-                </a:solidFill>
-                <a:latin typeface="Comic Sans MS" pitchFamily="66" charset="0"/>
-              </a:rPr>
-              <a:t>Q</a:t>
+              <a:t> OR Q</a:t>
             </a:r>
             <a:r>
               <a:rPr lang="en-US" sz="3600" dirty="0" smtClean="0">
@@ -2943,12 +2940,6 @@
               </a:rPr>
               <a:t>(?)</a:t>
             </a:r>
-            <a:endParaRPr lang="en-US" sz="4400" dirty="0" smtClean="0">
-              <a:solidFill>
-                <a:srgbClr val="006600"/>
-              </a:solidFill>
-              <a:latin typeface="Comic Sans MS" pitchFamily="66" charset="0"/>
-            </a:endParaRPr>
           </a:p>
           <a:p>
             <a:pPr algn="l"/>
@@ -3144,50 +3135,6 @@
       </p:grpSp>
       <p:sp>
         <p:nvSpPr>
-          <p:cNvPr id="89" name="Title 88"/>
-          <p:cNvSpPr>
-            <a:spLocks noGrp="1"/>
-          </p:cNvSpPr>
-          <p:nvPr>
-            <p:ph type="title" sz="quarter"/>
-          </p:nvPr>
-        </p:nvSpPr>
-        <p:spPr>
-          <a:xfrm>
-            <a:off x="2411288" y="301893"/>
-            <a:ext cx="4667607" cy="1002925"/>
-          </a:xfrm>
-        </p:spPr>
-        <p:txBody>
-          <a:bodyPr/>
-          <a:lstStyle/>
-          <a:p>
-            <a:r>
-              <a:rPr lang="en-US" sz="3600" dirty="0" err="1" smtClean="0">
-                <a:solidFill>
-                  <a:schemeClr val="tx1"/>
-                </a:solidFill>
-              </a:rPr>
-              <a:t>Microquiz</a:t>
-            </a:r>
-            <a:r>
-              <a:rPr lang="en-US" sz="3600" dirty="0" smtClean="0">
-                <a:solidFill>
-                  <a:schemeClr val="tx1"/>
-                </a:solidFill>
-              </a:rPr>
-              <a:t> Feb 15</a:t>
-            </a:r>
-            <a:endParaRPr lang="en-US" sz="3600" dirty="0">
-              <a:solidFill>
-                <a:schemeClr val="tx1"/>
-              </a:solidFill>
-            </a:endParaRPr>
-          </a:p>
-        </p:txBody>
-      </p:sp>
-      <p:sp>
-        <p:nvSpPr>
           <p:cNvPr id="47" name="Rectangle 11"/>
           <p:cNvSpPr>
             <a:spLocks noGrp="1" noChangeArrowheads="1"/>
@@ -3198,8 +3145,8 @@
         </p:nvSpPr>
         <p:spPr bwMode="auto">
           <a:xfrm>
-            <a:off x="7847505" y="6553200"/>
-            <a:ext cx="1296499" cy="276999"/>
+            <a:off x="7289961" y="6553200"/>
+            <a:ext cx="1854043" cy="276999"/>
           </a:xfrm>
           <a:prstGeom prst="rect">
             <a:avLst/>
@@ -3233,7 +3180,7 @@
             </a:pPr>
             <a:r>
               <a:rPr lang="en-US" dirty="0" smtClean="0"/>
-              <a:t>microfeb15.</a:t>
+              <a:t>microfeb15afternoon.</a:t>
             </a:r>
             <a:fld id="{EBFB97A3-F52F-4FD6-B1AC-522A20C95467}" type="slidenum">
               <a:rPr lang="en-US" smtClean="0"/>
@@ -3858,20 +3805,6 @@
                         </a:rPr>
                         <a:t>OR</a:t>
                       </a:r>
-                      <a:endParaRPr kumimoji="0" lang="en-US" sz="2000" b="1" i="0" u="none" strike="noStrike" kern="1200" cap="none" spc="0" normalizeH="0" baseline="0" noProof="0" dirty="0" smtClean="0">
-                        <a:ln>
-                          <a:noFill/>
-                        </a:ln>
-                        <a:solidFill>
-                          <a:srgbClr val="0000E5"/>
-                        </a:solidFill>
-                        <a:effectLst/>
-                        <a:uLnTx/>
-                        <a:uFillTx/>
-                        <a:latin typeface="Comic Sans MS"/>
-                        <a:ea typeface="+mn-ea"/>
-                        <a:cs typeface="Comic Sans MS"/>
-                      </a:endParaRPr>
                     </a:p>
                   </a:txBody>
                   <a:tcPr anchor="ctr"/>
@@ -4867,6 +4800,144 @@
           </a:graphicData>
         </a:graphic>
       </p:graphicFrame>
+      <p:sp>
+        <p:nvSpPr>
+          <p:cNvPr id="10" name="TextBox 9"/>
+          <p:cNvSpPr txBox="1"/>
+          <p:nvPr/>
+        </p:nvSpPr>
+        <p:spPr>
+          <a:xfrm>
+            <a:off x="1312863" y="279400"/>
+            <a:ext cx="7653337" cy="1015663"/>
+          </a:xfrm>
+          <a:prstGeom prst="rect">
+            <a:avLst/>
+          </a:prstGeom>
+          <a:noFill/>
+        </p:spPr>
+        <p:txBody>
+          <a:bodyPr wrap="square" rtlCol="0">
+            <a:spAutoFit/>
+          </a:bodyPr>
+          <a:lstStyle/>
+          <a:p>
+            <a:pPr algn="l"/>
+            <a:r>
+              <a:rPr lang="en-US" dirty="0" smtClean="0">
+                <a:latin typeface="Comic Sans MS" pitchFamily="66" charset="0"/>
+              </a:rPr>
+              <a:t>name:</a:t>
+            </a:r>
+          </a:p>
+          <a:p>
+            <a:pPr algn="l"/>
+            <a:r>
+              <a:rPr lang="en-US" sz="2800" dirty="0" smtClean="0">
+                <a:latin typeface="Comic Sans MS" pitchFamily="66" charset="0"/>
+              </a:rPr>
+              <a:t>2.</a:t>
+            </a:r>
+            <a:r>
+              <a:rPr lang="en-US" sz="2800" dirty="0" smtClean="0">
+                <a:solidFill>
+                  <a:srgbClr val="006600"/>
+                </a:solidFill>
+                <a:latin typeface="Comic Sans MS" pitchFamily="66" charset="0"/>
+              </a:rPr>
+              <a:t>Y</a:t>
+            </a:r>
+            <a:r>
+              <a:rPr lang="en-US" sz="2800" dirty="0" smtClean="0">
+                <a:latin typeface="Comic Sans MS" pitchFamily="66" charset="0"/>
+              </a:rPr>
+              <a:t> </a:t>
+            </a:r>
+            <a:r>
+              <a:rPr lang="en-US" sz="2800" dirty="0" smtClean="0">
+                <a:solidFill>
+                  <a:schemeClr val="accent2"/>
+                </a:solidFill>
+                <a:latin typeface="Comic Sans MS" pitchFamily="66" charset="0"/>
+              </a:rPr>
+              <a:t>N</a:t>
+            </a:r>
+            <a:r>
+              <a:rPr lang="en-US" sz="2800" dirty="0" smtClean="0">
+                <a:latin typeface="Comic Sans MS" pitchFamily="66" charset="0"/>
+              </a:rPr>
+              <a:t>  3.</a:t>
+            </a:r>
+            <a:r>
+              <a:rPr lang="en-US" sz="2800" dirty="0" smtClean="0">
+                <a:solidFill>
+                  <a:srgbClr val="006600"/>
+                </a:solidFill>
+                <a:latin typeface="Comic Sans MS" pitchFamily="66" charset="0"/>
+              </a:rPr>
+              <a:t>Y</a:t>
+            </a:r>
+            <a:r>
+              <a:rPr lang="en-US" sz="2800" dirty="0" smtClean="0">
+                <a:latin typeface="Comic Sans MS" pitchFamily="66" charset="0"/>
+              </a:rPr>
+              <a:t> </a:t>
+            </a:r>
+            <a:r>
+              <a:rPr lang="en-US" sz="2800" dirty="0" smtClean="0">
+                <a:solidFill>
+                  <a:schemeClr val="accent2"/>
+                </a:solidFill>
+                <a:latin typeface="Comic Sans MS" pitchFamily="66" charset="0"/>
+              </a:rPr>
+              <a:t>N    </a:t>
+            </a:r>
+            <a:r>
+              <a:rPr lang="en-US" sz="2800" dirty="0" smtClean="0">
+                <a:latin typeface="Comic Sans MS" pitchFamily="66" charset="0"/>
+              </a:rPr>
+              <a:t>4</a:t>
+            </a:r>
+            <a:r>
+              <a:rPr lang="en-US" sz="2800" dirty="0" smtClean="0">
+                <a:solidFill>
+                  <a:srgbClr val="000000"/>
+                </a:solidFill>
+                <a:latin typeface="Comic Sans MS" pitchFamily="66" charset="0"/>
+              </a:rPr>
+              <a:t>.</a:t>
+            </a:r>
+            <a:r>
+              <a:rPr lang="en-US" sz="2800" dirty="0" smtClean="0">
+                <a:solidFill>
+                  <a:schemeClr val="accent2"/>
+                </a:solidFill>
+                <a:latin typeface="Comic Sans MS" pitchFamily="66" charset="0"/>
+              </a:rPr>
+              <a:t> </a:t>
+            </a:r>
+            <a:r>
+              <a:rPr lang="en-US" sz="2400" dirty="0" smtClean="0">
+                <a:solidFill>
+                  <a:schemeClr val="accent1">
+                    <a:lumMod val="50000"/>
+                  </a:schemeClr>
+                </a:solidFill>
+                <a:latin typeface="Comic Sans MS" pitchFamily="66" charset="0"/>
+              </a:rPr>
+              <a:t>AND OR XOR IFF IMPLIES</a:t>
+            </a:r>
+            <a:endParaRPr lang="en-US" sz="2800" dirty="0" smtClean="0">
+              <a:solidFill>
+                <a:schemeClr val="accent1">
+                  <a:lumMod val="50000"/>
+                </a:schemeClr>
+              </a:solidFill>
+              <a:latin typeface="Comic Sans MS" pitchFamily="66" charset="0"/>
+            </a:endParaRPr>
+          </a:p>
+        </p:txBody>
+      </p:sp>
     </p:spTree>
     <p:extLst>
       <p:ext uri="{BB962C8B-B14F-4D97-AF65-F5344CB8AC3E}">
@@ -4916,6 +4987,144 @@
           <a:chExt cx="0" cy="0"/>
         </a:xfrm>
       </p:grpSpPr>
+      <p:sp>
+        <p:nvSpPr>
+          <p:cNvPr id="12" name="TextBox 11"/>
+          <p:cNvSpPr txBox="1"/>
+          <p:nvPr/>
+        </p:nvSpPr>
+        <p:spPr>
+          <a:xfrm>
+            <a:off x="1312863" y="279400"/>
+            <a:ext cx="7653337" cy="1015663"/>
+          </a:xfrm>
+          <a:prstGeom prst="rect">
+            <a:avLst/>
+          </a:prstGeom>
+          <a:noFill/>
+        </p:spPr>
+        <p:txBody>
+          <a:bodyPr wrap="square" rtlCol="0">
+            <a:spAutoFit/>
+          </a:bodyPr>
+          <a:lstStyle/>
+          <a:p>
+            <a:pPr algn="l"/>
+            <a:r>
+              <a:rPr lang="en-US" dirty="0" smtClean="0">
+                <a:latin typeface="Comic Sans MS" pitchFamily="66" charset="0"/>
+              </a:rPr>
+              <a:t>name:</a:t>
+            </a:r>
+          </a:p>
+          <a:p>
+            <a:pPr algn="l"/>
+            <a:r>
+              <a:rPr lang="en-US" sz="2800" dirty="0" smtClean="0">
+                <a:latin typeface="Comic Sans MS" pitchFamily="66" charset="0"/>
+              </a:rPr>
+              <a:t>2.</a:t>
+            </a:r>
+            <a:r>
+              <a:rPr lang="en-US" sz="2800" dirty="0" smtClean="0">
+                <a:solidFill>
+                  <a:srgbClr val="006600"/>
+                </a:solidFill>
+                <a:latin typeface="Comic Sans MS" pitchFamily="66" charset="0"/>
+              </a:rPr>
+              <a:t>Y</a:t>
+            </a:r>
+            <a:r>
+              <a:rPr lang="en-US" sz="2800" dirty="0" smtClean="0">
+                <a:latin typeface="Comic Sans MS" pitchFamily="66" charset="0"/>
+              </a:rPr>
+              <a:t> </a:t>
+            </a:r>
+            <a:r>
+              <a:rPr lang="en-US" sz="2800" dirty="0" smtClean="0">
+                <a:solidFill>
+                  <a:schemeClr val="accent2"/>
+                </a:solidFill>
+                <a:latin typeface="Comic Sans MS" pitchFamily="66" charset="0"/>
+              </a:rPr>
+              <a:t>N</a:t>
+            </a:r>
+            <a:r>
+              <a:rPr lang="en-US" sz="2800" dirty="0" smtClean="0">
+                <a:latin typeface="Comic Sans MS" pitchFamily="66" charset="0"/>
+              </a:rPr>
+              <a:t>  3.</a:t>
+            </a:r>
+            <a:r>
+              <a:rPr lang="en-US" sz="2800" dirty="0" smtClean="0">
+                <a:solidFill>
+                  <a:srgbClr val="006600"/>
+                </a:solidFill>
+                <a:latin typeface="Comic Sans MS" pitchFamily="66" charset="0"/>
+              </a:rPr>
+              <a:t>Y</a:t>
+            </a:r>
+            <a:r>
+              <a:rPr lang="en-US" sz="2800" dirty="0" smtClean="0">
+                <a:latin typeface="Comic Sans MS" pitchFamily="66" charset="0"/>
+              </a:rPr>
+              <a:t> </a:t>
+            </a:r>
+            <a:r>
+              <a:rPr lang="en-US" sz="2800" dirty="0" smtClean="0">
+                <a:solidFill>
+                  <a:schemeClr val="accent2"/>
+                </a:solidFill>
+                <a:latin typeface="Comic Sans MS" pitchFamily="66" charset="0"/>
+              </a:rPr>
+              <a:t>N    </a:t>
+            </a:r>
+            <a:r>
+              <a:rPr lang="en-US" sz="2800" dirty="0" smtClean="0">
+                <a:latin typeface="Comic Sans MS" pitchFamily="66" charset="0"/>
+              </a:rPr>
+              <a:t>4</a:t>
+            </a:r>
+            <a:r>
+              <a:rPr lang="en-US" sz="2800" dirty="0" smtClean="0">
+                <a:solidFill>
+                  <a:srgbClr val="000000"/>
+                </a:solidFill>
+                <a:latin typeface="Comic Sans MS" pitchFamily="66" charset="0"/>
+              </a:rPr>
+              <a:t>.</a:t>
+            </a:r>
+            <a:r>
+              <a:rPr lang="en-US" sz="2800" dirty="0" smtClean="0">
+                <a:solidFill>
+                  <a:schemeClr val="accent2"/>
+                </a:solidFill>
+                <a:latin typeface="Comic Sans MS" pitchFamily="66" charset="0"/>
+              </a:rPr>
+              <a:t> </a:t>
+            </a:r>
+            <a:r>
+              <a:rPr lang="en-US" sz="2400" dirty="0" smtClean="0">
+                <a:solidFill>
+                  <a:schemeClr val="accent1">
+                    <a:lumMod val="50000"/>
+                  </a:schemeClr>
+                </a:solidFill>
+                <a:latin typeface="Comic Sans MS" pitchFamily="66" charset="0"/>
+              </a:rPr>
+              <a:t>AND OR XOR IFF IMPLIES</a:t>
+            </a:r>
+            <a:endParaRPr lang="en-US" sz="2800" dirty="0" smtClean="0">
+              <a:solidFill>
+                <a:schemeClr val="accent1">
+                  <a:lumMod val="50000"/>
+                </a:schemeClr>
+              </a:solidFill>
+              <a:latin typeface="Comic Sans MS" pitchFamily="66" charset="0"/>
+            </a:endParaRPr>
+          </a:p>
+        </p:txBody>
+      </p:sp>
       <p:grpSp>
         <p:nvGrpSpPr>
           <p:cNvPr id="2" name="Group 110"/>
@@ -5062,50 +5271,6 @@
       </p:grpSp>
       <p:sp>
         <p:nvSpPr>
-          <p:cNvPr id="89" name="Title 88"/>
-          <p:cNvSpPr>
-            <a:spLocks noGrp="1"/>
-          </p:cNvSpPr>
-          <p:nvPr>
-            <p:ph type="title" sz="quarter"/>
-          </p:nvPr>
-        </p:nvSpPr>
-        <p:spPr>
-          <a:xfrm>
-            <a:off x="2411288" y="301893"/>
-            <a:ext cx="4667607" cy="1002925"/>
-          </a:xfrm>
-        </p:spPr>
-        <p:txBody>
-          <a:bodyPr/>
-          <a:lstStyle/>
-          <a:p>
-            <a:r>
-              <a:rPr lang="en-US" sz="3600" dirty="0" err="1" smtClean="0">
-                <a:solidFill>
-                  <a:schemeClr val="tx1"/>
-                </a:solidFill>
-              </a:rPr>
-              <a:t>Microquiz</a:t>
-            </a:r>
-            <a:r>
-              <a:rPr lang="en-US" sz="3600" dirty="0" smtClean="0">
-                <a:solidFill>
-                  <a:schemeClr val="tx1"/>
-                </a:solidFill>
-              </a:rPr>
-              <a:t> Feb 15</a:t>
-            </a:r>
-            <a:endParaRPr lang="en-US" sz="3600" dirty="0">
-              <a:solidFill>
-                <a:schemeClr val="tx1"/>
-              </a:solidFill>
-            </a:endParaRPr>
-          </a:p>
-        </p:txBody>
-      </p:sp>
-      <p:sp>
-        <p:nvSpPr>
           <p:cNvPr id="47" name="Rectangle 11"/>
           <p:cNvSpPr>
             <a:spLocks noGrp="1" noChangeArrowheads="1"/>
@@ -5116,8 +5281,8 @@
         </p:nvSpPr>
         <p:spPr bwMode="auto">
           <a:xfrm>
-            <a:off x="7847505" y="6553200"/>
-            <a:ext cx="1296499" cy="276999"/>
+            <a:off x="7289961" y="6553200"/>
+            <a:ext cx="1854043" cy="276999"/>
           </a:xfrm>
           <a:prstGeom prst="rect">
             <a:avLst/>
@@ -5151,7 +5316,7 @@
             </a:pPr>
             <a:r>
               <a:rPr lang="en-US" dirty="0" smtClean="0"/>
-              <a:t>microfeb15.</a:t>
+              <a:t>microfeb15afternoon.</a:t>
             </a:r>
             <a:fld id="{EBFB97A3-F52F-4FD6-B1AC-522A20C95467}" type="slidenum">
               <a:rPr lang="en-US" smtClean="0"/>
@@ -5173,7 +5338,7 @@
           <p:nvPr>
             <p:extLst>
               <p:ext uri="{D42A27DB-BD31-4B8C-83A1-F6EECF244321}">
-                <p14:modId xmlns:p14="http://schemas.microsoft.com/office/powerpoint/2010/main" val="2320905968"/>
+                <p14:modId xmlns:p14="http://schemas.microsoft.com/office/powerpoint/2010/main" val="2743280844"/>
               </p:ext>
             </p:extLst>
           </p:nvPr>
@@ -5193,8 +5358,8 @@
                 <a:gridCol w="558800"/>
                 <a:gridCol w="546100"/>
                 <a:gridCol w="546100"/>
-                <a:gridCol w="812800"/>
-                <a:gridCol w="857647"/>
+                <a:gridCol w="781447"/>
+                <a:gridCol w="889000"/>
                 <a:gridCol w="812800"/>
                 <a:gridCol w="952500"/>
                 <a:gridCol w="685800"/>
@@ -6399,7 +6564,7 @@
                     <a:bodyPr/>
                     <a:lstStyle/>
                     <a:p>
-                      <a:endParaRPr lang="en-US"/>
+                      <a:endParaRPr lang="en-US" dirty="0"/>
                     </a:p>
                   </a:txBody>
                   <a:tcPr anchor="ctr"/>
@@ -7141,7 +7306,7 @@
         <p:spPr>
           <a:xfrm>
             <a:off x="1803400" y="5092700"/>
-            <a:ext cx="5458195" cy="1200329"/>
+            <a:ext cx="5158008" cy="1200329"/>
           </a:xfrm>
           <a:prstGeom prst="rect">
             <a:avLst/>
@@ -7170,7 +7335,7 @@
                 </a:solidFill>
                 <a:latin typeface="Comic Sans MS" pitchFamily="66" charset="0"/>
               </a:rPr>
-              <a:t>XOR</a:t>
+              <a:t>IFF</a:t>
             </a:r>
             <a:endParaRPr lang="en-US" sz="7200" dirty="0" smtClean="0">
               <a:solidFill>
@@ -7179,6 +7344,195 @@
                 </a:schemeClr>
               </a:solidFill>
               <a:latin typeface="Comic Sans MS" pitchFamily="66" charset="0"/>
+            </a:endParaRPr>
+          </a:p>
+        </p:txBody>
+      </p:sp>
+      <p:sp>
+        <p:nvSpPr>
+          <p:cNvPr id="11" name="Decagon 10"/>
+          <p:cNvSpPr/>
+          <p:nvPr/>
+        </p:nvSpPr>
+        <p:spPr bwMode="auto">
+          <a:xfrm>
+            <a:off x="2654300" y="800100"/>
+            <a:ext cx="546100" cy="457200"/>
+          </a:xfrm>
+          <a:prstGeom prst="decagon">
+            <a:avLst/>
+          </a:prstGeom>
+          <a:noFill/>
+          <a:ln w="38100" cap="flat" cmpd="sng" algn="ctr">
+            <a:solidFill>
+              <a:schemeClr val="tx1"/>
+            </a:solidFill>
+            <a:prstDash val="solid"/>
+            <a:round/>
+            <a:headEnd type="none" w="med" len="med"/>
+            <a:tailEnd type="none" w="med" len="med"/>
+          </a:ln>
+          <a:effectLst/>
+        </p:spPr>
+        <p:txBody>
+          <a:bodyPr vert="horz" wrap="none" lIns="91440" tIns="45720" rIns="91440" bIns="45720" numCol="1" rtlCol="0" anchor="ctr" anchorCtr="0" compatLnSpc="1">
+            <a:prstTxWarp prst="textNoShape">
+              <a:avLst/>
+            </a:prstTxWarp>
+          </a:bodyPr>
+          <a:lstStyle/>
+          <a:p>
+            <a:pPr marL="0" marR="0" indent="0" algn="ctr" defTabSz="914400" rtl="0" eaLnBrk="1" fontAlgn="base" latinLnBrk="0" hangingPunct="1">
+              <a:lnSpc>
+                <a:spcPct val="100000"/>
+              </a:lnSpc>
+              <a:spcBef>
+                <a:spcPct val="0"/>
+              </a:spcBef>
+              <a:spcAft>
+                <a:spcPct val="0"/>
+              </a:spcAft>
+              <a:buClrTx/>
+              <a:buSzTx/>
+              <a:buFontTx/>
+              <a:buNone/>
+              <a:tabLst/>
+            </a:pPr>
+            <a:endParaRPr kumimoji="0" lang="en-US" sz="3200" b="0" i="0" u="none" strike="noStrike" cap="none" normalizeH="0" baseline="0" smtClean="0">
+              <a:ln>
+                <a:noFill/>
+              </a:ln>
+              <a:solidFill>
+                <a:schemeClr val="tx1"/>
+              </a:solidFill>
+              <a:effectLst/>
+              <a:latin typeface="Times New Roman" pitchFamily="18" charset="0"/>
+            </a:endParaRPr>
+          </a:p>
+        </p:txBody>
+      </p:sp>
+      <p:sp>
+        <p:nvSpPr>
+          <p:cNvPr id="13" name="Decagon 12"/>
+          <p:cNvSpPr/>
+          <p:nvPr/>
+        </p:nvSpPr>
+        <p:spPr bwMode="auto">
+          <a:xfrm>
+            <a:off x="1943100" y="838200"/>
+            <a:ext cx="546100" cy="457200"/>
+          </a:xfrm>
+          <a:prstGeom prst="decagon">
+            <a:avLst/>
+          </a:prstGeom>
+          <a:noFill/>
+          <a:ln w="38100" cap="flat" cmpd="sng" algn="ctr">
+            <a:solidFill>
+              <a:schemeClr val="tx1"/>
+            </a:solidFill>
+            <a:prstDash val="solid"/>
+            <a:round/>
+            <a:headEnd type="none" w="med" len="med"/>
+            <a:tailEnd type="none" w="med" len="med"/>
+          </a:ln>
+          <a:effectLst/>
+        </p:spPr>
+        <p:txBody>
+          <a:bodyPr vert="horz" wrap="none" lIns="91440" tIns="45720" rIns="91440" bIns="45720" numCol="1" rtlCol="0" anchor="ctr" anchorCtr="0" compatLnSpc="1">
+            <a:prstTxWarp prst="textNoShape">
+              <a:avLst/>
+            </a:prstTxWarp>
+          </a:bodyPr>
+          <a:lstStyle/>
+          <a:p>
+            <a:pPr marL="0" marR="0" indent="0" algn="ctr" defTabSz="914400" rtl="0" eaLnBrk="1" fontAlgn="base" latinLnBrk="0" hangingPunct="1">
+              <a:lnSpc>
+                <a:spcPct val="100000"/>
+              </a:lnSpc>
+              <a:spcBef>
+                <a:spcPct val="0"/>
+              </a:spcBef>
+              <a:spcAft>
+                <a:spcPct val="0"/>
+              </a:spcAft>
+              <a:buClrTx/>
+              <a:buSzTx/>
+              <a:buFontTx/>
+              <a:buNone/>
+              <a:tabLst/>
+            </a:pPr>
+            <a:endParaRPr kumimoji="0" lang="en-US" sz="3200" b="0" i="0" u="none" strike="noStrike" cap="none" normalizeH="0" baseline="0" smtClean="0">
+              <a:ln>
+                <a:noFill/>
+              </a:ln>
+              <a:solidFill>
+                <a:schemeClr val="tx1"/>
+              </a:solidFill>
+              <a:effectLst/>
+              <a:latin typeface="Times New Roman" pitchFamily="18" charset="0"/>
+            </a:endParaRPr>
+          </a:p>
+        </p:txBody>
+      </p:sp>
+      <p:sp>
+        <p:nvSpPr>
+          <p:cNvPr id="14" name="Decagon 13"/>
+          <p:cNvSpPr/>
+          <p:nvPr/>
+        </p:nvSpPr>
+        <p:spPr bwMode="auto">
+          <a:xfrm>
+            <a:off x="6286500" y="774700"/>
+            <a:ext cx="635000" cy="558800"/>
+          </a:xfrm>
+          <a:prstGeom prst="decagon">
+            <a:avLst/>
+          </a:prstGeom>
+          <a:noFill/>
+          <a:ln w="38100" cap="flat" cmpd="sng" algn="ctr">
+            <a:solidFill>
+              <a:schemeClr val="tx1"/>
+            </a:solidFill>
+            <a:prstDash val="solid"/>
+            <a:round/>
+            <a:headEnd type="none" w="med" len="med"/>
+            <a:tailEnd type="none" w="med" len="med"/>
+          </a:ln>
+          <a:effectLst/>
+        </p:spPr>
+        <p:txBody>
+          <a:bodyPr vert="horz" wrap="none" lIns="91440" tIns="45720" rIns="91440" bIns="45720" numCol="1" rtlCol="0" anchor="ctr" anchorCtr="0" compatLnSpc="1">
+            <a:prstTxWarp prst="textNoShape">
+              <a:avLst/>
+            </a:prstTxWarp>
+          </a:bodyPr>
+          <a:lstStyle/>
+          <a:p>
+            <a:pPr marL="0" marR="0" indent="0" algn="ctr" defTabSz="914400" rtl="0" eaLnBrk="1" fontAlgn="base" latinLnBrk="0" hangingPunct="1">
+              <a:lnSpc>
+                <a:spcPct val="100000"/>
+              </a:lnSpc>
+              <a:spcBef>
+                <a:spcPct val="0"/>
+              </a:spcBef>
+              <a:spcAft>
+                <a:spcPct val="0"/>
+              </a:spcAft>
+              <a:buClrTx/>
+              <a:buSzTx/>
+              <a:buFontTx/>
+              <a:buNone/>
+              <a:tabLst/>
+            </a:pPr>
+            <a:endParaRPr kumimoji="0" lang="en-US" sz="3200" b="0" i="0" u="none" strike="noStrike" cap="none" normalizeH="0" baseline="0" smtClean="0">
+              <a:ln>
+                <a:noFill/>
+              </a:ln>
+              <a:solidFill>
+                <a:schemeClr val="tx1"/>
+              </a:solidFill>
+              <a:effectLst/>
+              <a:latin typeface="Times New Roman" pitchFamily="18" charset="0"/>
             </a:endParaRPr>
           </a:p>
         </p:txBody>

--- a/spring13/slides13/micro-feb15afternoon.pptx
+++ b/spring13/slides13/micro-feb15afternoon.pptx
@@ -2582,15 +2582,7 @@
                   <a:schemeClr val="tx1"/>
                 </a:solidFill>
               </a:rPr>
-              <a:t> Feb </a:t>
-            </a:r>
-            <a:r>
-              <a:rPr lang="en-US" sz="3600" dirty="0" smtClean="0">
-                <a:solidFill>
-                  <a:schemeClr val="tx1"/>
-                </a:solidFill>
-              </a:rPr>
-              <a:t>15 (afternoon)</a:t>
+              <a:t> Feb 15 (afternoon)</a:t>
             </a:r>
             <a:endParaRPr lang="en-US" sz="3600" dirty="0">
               <a:solidFill>
@@ -5338,7 +5330,7 @@
           <p:nvPr>
             <p:extLst>
               <p:ext uri="{D42A27DB-BD31-4B8C-83A1-F6EECF244321}">
-                <p14:modId xmlns:p14="http://schemas.microsoft.com/office/powerpoint/2010/main" val="2743280844"/>
+                <p14:modId xmlns:p14="http://schemas.microsoft.com/office/powerpoint/2010/main" val="366928870"/>
               </p:ext>
             </p:extLst>
           </p:nvPr>
@@ -6898,23 +6890,20 @@
                         <a:tabLst/>
                         <a:defRPr/>
                       </a:pPr>
-                      <a:r>
-                        <a:rPr kumimoji="0" lang="en-US" sz="3600" b="0" i="0" u="none" strike="noStrike" kern="1200" cap="none" spc="0" normalizeH="0" baseline="0" noProof="0" dirty="0" smtClean="0">
-                          <a:ln>
-                            <a:noFill/>
-                          </a:ln>
-                          <a:solidFill>
-                            <a:srgbClr val="CC0000"/>
-                          </a:solidFill>
-                          <a:effectLst/>
-                          <a:uLnTx/>
-                          <a:uFillTx/>
-                          <a:latin typeface="Comic Sans MS"/>
-                          <a:ea typeface="+mn-ea"/>
-                          <a:cs typeface="Comic Sans MS"/>
-                        </a:rPr>
-                        <a:t>F</a:t>
-                      </a:r>
+                      <a:endParaRPr kumimoji="0" lang="en-US" sz="3600" b="0" i="0" u="none" strike="noStrike" kern="1200" cap="none" spc="0" normalizeH="0" baseline="0" noProof="0" dirty="0" smtClean="0">
+                        <a:ln>
+                          <a:noFill/>
+                        </a:ln>
+                        <a:solidFill>
+                          <a:srgbClr val="CC0000"/>
+                        </a:solidFill>
+                        <a:effectLst/>
+                        <a:uLnTx/>
+                        <a:uFillTx/>
+                        <a:latin typeface="Comic Sans MS"/>
+                        <a:ea typeface="+mn-ea"/>
+                        <a:cs typeface="Comic Sans MS"/>
+                      </a:endParaRPr>
                     </a:p>
                   </a:txBody>
                   <a:tcPr anchor="ctr"/>
@@ -7482,7 +7471,7 @@
         </p:nvSpPr>
         <p:spPr bwMode="auto">
           <a:xfrm>
-            <a:off x="6286500" y="774700"/>
+            <a:off x="6324600" y="812800"/>
             <a:ext cx="635000" cy="558800"/>
           </a:xfrm>
           <a:prstGeom prst="decagon">
